--- a/The16BitsWordSeries-Master.pptx
+++ b/The16BitsWordSeries-Master.pptx
@@ -5,7 +5,7 @@
     <p:sldMasterId id="2147483648" r:id="rId1"/>
   </p:sldMasterIdLst>
   <p:notesMasterIdLst>
-    <p:notesMasterId r:id="rId10"/>
+    <p:notesMasterId r:id="rId11"/>
   </p:notesMasterIdLst>
   <p:sldIdLst>
     <p:sldId id="265" r:id="rId2"/>
@@ -15,7 +15,8 @@
     <p:sldId id="263" r:id="rId6"/>
     <p:sldId id="259" r:id="rId7"/>
     <p:sldId id="266" r:id="rId8"/>
-    <p:sldId id="267" r:id="rId9"/>
+    <p:sldId id="268" r:id="rId9"/>
+    <p:sldId id="267" r:id="rId10"/>
   </p:sldIdLst>
   <p:sldSz cx="12192000" cy="6858000"/>
   <p:notesSz cx="6858000" cy="9144000"/>
@@ -204,7 +205,7 @@
           <a:p>
             <a:fld id="{B01317EC-FECF-4F40-951B-41CBAEA91680}" type="datetimeFigureOut">
               <a:rPr lang="en-US" smtClean="0"/>
-              <a:t>7/11/20</a:t>
+              <a:t>7/14/20</a:t>
             </a:fld>
             <a:endParaRPr lang="en-US"/>
           </a:p>
@@ -1060,6 +1061,90 @@
 </p:notes>
 </file>
 
+<file path=ppt/notesSlides/notesSlide8.xml><?xml version="1.0" encoding="utf-8"?>
+<p:notes xmlns:a="http://schemas.openxmlformats.org/drawingml/2006/main" xmlns:r="http://schemas.openxmlformats.org/officeDocument/2006/relationships" xmlns:p="http://schemas.openxmlformats.org/presentationml/2006/main">
+  <p:cSld>
+    <p:spTree>
+      <p:nvGrpSpPr>
+        <p:cNvPr id="1" name=""/>
+        <p:cNvGrpSpPr/>
+        <p:nvPr/>
+      </p:nvGrpSpPr>
+      <p:grpSpPr>
+        <a:xfrm>
+          <a:off x="0" y="0"/>
+          <a:ext cx="0" cy="0"/>
+          <a:chOff x="0" y="0"/>
+          <a:chExt cx="0" cy="0"/>
+        </a:xfrm>
+      </p:grpSpPr>
+      <p:sp>
+        <p:nvSpPr>
+          <p:cNvPr id="2" name="Slide Image Placeholder 1"/>
+          <p:cNvSpPr>
+            <a:spLocks noGrp="1" noRot="1" noChangeAspect="1"/>
+          </p:cNvSpPr>
+          <p:nvPr>
+            <p:ph type="sldImg"/>
+          </p:nvPr>
+        </p:nvSpPr>
+        <p:spPr/>
+      </p:sp>
+      <p:sp>
+        <p:nvSpPr>
+          <p:cNvPr id="3" name="Notes Placeholder 2"/>
+          <p:cNvSpPr>
+            <a:spLocks noGrp="1"/>
+          </p:cNvSpPr>
+          <p:nvPr>
+            <p:ph type="body" idx="1"/>
+          </p:nvPr>
+        </p:nvSpPr>
+        <p:spPr/>
+        <p:txBody>
+          <a:bodyPr/>
+          <a:lstStyle/>
+          <a:p>
+            <a:endParaRPr lang="en-US" dirty="0"/>
+          </a:p>
+        </p:txBody>
+      </p:sp>
+      <p:sp>
+        <p:nvSpPr>
+          <p:cNvPr id="4" name="Slide Number Placeholder 3"/>
+          <p:cNvSpPr>
+            <a:spLocks noGrp="1"/>
+          </p:cNvSpPr>
+          <p:nvPr>
+            <p:ph type="sldNum" sz="quarter" idx="5"/>
+          </p:nvPr>
+        </p:nvSpPr>
+        <p:spPr/>
+        <p:txBody>
+          <a:bodyPr/>
+          <a:lstStyle/>
+          <a:p>
+            <a:fld id="{B3C9E331-3102-2F4E-BFF3-309A94B381B5}" type="slidenum">
+              <a:rPr lang="en-US" smtClean="0"/>
+              <a:t>8</a:t>
+            </a:fld>
+            <a:endParaRPr lang="en-US"/>
+          </a:p>
+        </p:txBody>
+      </p:sp>
+    </p:spTree>
+    <p:extLst>
+      <p:ext uri="{BB962C8B-B14F-4D97-AF65-F5344CB8AC3E}">
+        <p14:creationId xmlns:p14="http://schemas.microsoft.com/office/powerpoint/2010/main" val="210875022"/>
+      </p:ext>
+    </p:extLst>
+  </p:cSld>
+  <p:clrMapOvr>
+    <a:masterClrMapping/>
+  </p:clrMapOvr>
+</p:notes>
+</file>
+
 <file path=ppt/slideLayouts/slideLayout1.xml><?xml version="1.0" encoding="utf-8"?>
 <p:sldLayout xmlns:a="http://schemas.openxmlformats.org/drawingml/2006/main" xmlns:r="http://schemas.openxmlformats.org/officeDocument/2006/relationships" xmlns:p="http://schemas.openxmlformats.org/presentationml/2006/main" type="title" preserve="1">
   <p:cSld name="Title Slide">
@@ -1209,7 +1294,7 @@
           <a:p>
             <a:fld id="{5553238C-F35A-5844-AA96-A2A2E441CB95}" type="datetimeFigureOut">
               <a:rPr lang="en-US" smtClean="0"/>
-              <a:t>7/11/20</a:t>
+              <a:t>7/14/20</a:t>
             </a:fld>
             <a:endParaRPr lang="en-US"/>
           </a:p>
@@ -1409,7 +1494,7 @@
           <a:p>
             <a:fld id="{5553238C-F35A-5844-AA96-A2A2E441CB95}" type="datetimeFigureOut">
               <a:rPr lang="en-US" smtClean="0"/>
-              <a:t>7/11/20</a:t>
+              <a:t>7/14/20</a:t>
             </a:fld>
             <a:endParaRPr lang="en-US"/>
           </a:p>
@@ -1619,7 +1704,7 @@
           <a:p>
             <a:fld id="{5553238C-F35A-5844-AA96-A2A2E441CB95}" type="datetimeFigureOut">
               <a:rPr lang="en-US" smtClean="0"/>
-              <a:t>7/11/20</a:t>
+              <a:t>7/14/20</a:t>
             </a:fld>
             <a:endParaRPr lang="en-US"/>
           </a:p>
@@ -1819,7 +1904,7 @@
           <a:p>
             <a:fld id="{5553238C-F35A-5844-AA96-A2A2E441CB95}" type="datetimeFigureOut">
               <a:rPr lang="en-US" smtClean="0"/>
-              <a:t>7/11/20</a:t>
+              <a:t>7/14/20</a:t>
             </a:fld>
             <a:endParaRPr lang="en-US"/>
           </a:p>
@@ -2095,7 +2180,7 @@
           <a:p>
             <a:fld id="{5553238C-F35A-5844-AA96-A2A2E441CB95}" type="datetimeFigureOut">
               <a:rPr lang="en-US" smtClean="0"/>
-              <a:t>7/11/20</a:t>
+              <a:t>7/14/20</a:t>
             </a:fld>
             <a:endParaRPr lang="en-US"/>
           </a:p>
@@ -2363,7 +2448,7 @@
           <a:p>
             <a:fld id="{5553238C-F35A-5844-AA96-A2A2E441CB95}" type="datetimeFigureOut">
               <a:rPr lang="en-US" smtClean="0"/>
-              <a:t>7/11/20</a:t>
+              <a:t>7/14/20</a:t>
             </a:fld>
             <a:endParaRPr lang="en-US"/>
           </a:p>
@@ -2778,7 +2863,7 @@
           <a:p>
             <a:fld id="{5553238C-F35A-5844-AA96-A2A2E441CB95}" type="datetimeFigureOut">
               <a:rPr lang="en-US" smtClean="0"/>
-              <a:t>7/11/20</a:t>
+              <a:t>7/14/20</a:t>
             </a:fld>
             <a:endParaRPr lang="en-US"/>
           </a:p>
@@ -2920,7 +3005,7 @@
           <a:p>
             <a:fld id="{5553238C-F35A-5844-AA96-A2A2E441CB95}" type="datetimeFigureOut">
               <a:rPr lang="en-US" smtClean="0"/>
-              <a:t>7/11/20</a:t>
+              <a:t>7/14/20</a:t>
             </a:fld>
             <a:endParaRPr lang="en-US"/>
           </a:p>
@@ -3033,7 +3118,7 @@
           <a:p>
             <a:fld id="{5553238C-F35A-5844-AA96-A2A2E441CB95}" type="datetimeFigureOut">
               <a:rPr lang="en-US" smtClean="0"/>
-              <a:t>7/11/20</a:t>
+              <a:t>7/14/20</a:t>
             </a:fld>
             <a:endParaRPr lang="en-US"/>
           </a:p>
@@ -3346,7 +3431,7 @@
           <a:p>
             <a:fld id="{5553238C-F35A-5844-AA96-A2A2E441CB95}" type="datetimeFigureOut">
               <a:rPr lang="en-US" smtClean="0"/>
-              <a:t>7/11/20</a:t>
+              <a:t>7/14/20</a:t>
             </a:fld>
             <a:endParaRPr lang="en-US"/>
           </a:p>
@@ -3635,7 +3720,7 @@
           <a:p>
             <a:fld id="{5553238C-F35A-5844-AA96-A2A2E441CB95}" type="datetimeFigureOut">
               <a:rPr lang="en-US" smtClean="0"/>
-              <a:t>7/11/20</a:t>
+              <a:t>7/14/20</a:t>
             </a:fld>
             <a:endParaRPr lang="en-US"/>
           </a:p>
@@ -3878,7 +3963,7 @@
           <a:p>
             <a:fld id="{5553238C-F35A-5844-AA96-A2A2E441CB95}" type="datetimeFigureOut">
               <a:rPr lang="en-US" smtClean="0"/>
-              <a:t>7/11/20</a:t>
+              <a:t>7/14/20</a:t>
             </a:fld>
             <a:endParaRPr lang="en-US"/>
           </a:p>
@@ -11433,6 +11518,951 @@
 </file>
 
 <file path=ppt/slides/slide8.xml><?xml version="1.0" encoding="utf-8"?>
+<p:sld xmlns:a="http://schemas.openxmlformats.org/drawingml/2006/main" xmlns:r="http://schemas.openxmlformats.org/officeDocument/2006/relationships" xmlns:p="http://schemas.openxmlformats.org/presentationml/2006/main">
+  <p:cSld>
+    <p:bg>
+      <p:bgPr>
+        <a:solidFill>
+          <a:schemeClr val="bg1">
+            <a:alpha val="92000"/>
+          </a:schemeClr>
+        </a:solidFill>
+        <a:effectLst/>
+      </p:bgPr>
+    </p:bg>
+    <p:spTree>
+      <p:nvGrpSpPr>
+        <p:cNvPr id="1" name=""/>
+        <p:cNvGrpSpPr/>
+        <p:nvPr/>
+      </p:nvGrpSpPr>
+      <p:grpSpPr>
+        <a:xfrm>
+          <a:off x="0" y="0"/>
+          <a:ext cx="0" cy="0"/>
+          <a:chOff x="0" y="0"/>
+          <a:chExt cx="0" cy="0"/>
+        </a:xfrm>
+      </p:grpSpPr>
+      <p:sp useBgFill="1">
+        <p:nvSpPr>
+          <p:cNvPr id="13" name="Rectangle 9">
+            <a:extLst>
+              <a:ext uri="{FF2B5EF4-FFF2-40B4-BE49-F238E27FC236}">
+                <a16:creationId xmlns:a16="http://schemas.microsoft.com/office/drawing/2014/main" id="{0671A8AE-40A1-4631-A6B8-581AFF065482}"/>
+              </a:ext>
+              <a:ext uri="{C183D7F6-B498-43B3-948B-1728B52AA6E4}">
+                <adec:decorative xmlns:adec="http://schemas.microsoft.com/office/drawing/2017/decorative" val="1"/>
+              </a:ext>
+            </a:extLst>
+          </p:cNvPr>
+          <p:cNvSpPr>
+            <a:spLocks noGrp="1" noRot="1" noChangeAspect="1" noMove="1" noResize="1" noEditPoints="1" noAdjustHandles="1" noChangeArrowheads="1" noChangeShapeType="1" noTextEdit="1"/>
+          </p:cNvSpPr>
+          <p:nvPr>
+            <p:extLst>
+              <p:ext uri="{386F3935-93C4-4BCD-93E2-E3B085C9AB24}">
+                <p16:designElem xmlns:p16="http://schemas.microsoft.com/office/powerpoint/2015/main" val="1"/>
+              </p:ext>
+            </p:extLst>
+          </p:nvPr>
+        </p:nvSpPr>
+        <p:spPr>
+          <a:xfrm>
+            <a:off x="0" y="0"/>
+            <a:ext cx="12192000" cy="6858000"/>
+          </a:xfrm>
+          <a:prstGeom prst="rect">
+            <a:avLst/>
+          </a:prstGeom>
+          <a:ln>
+            <a:noFill/>
+          </a:ln>
+        </p:spPr>
+        <p:style>
+          <a:lnRef idx="2">
+            <a:schemeClr val="accent1">
+              <a:shade val="50000"/>
+            </a:schemeClr>
+          </a:lnRef>
+          <a:fillRef idx="1">
+            <a:schemeClr val="accent1"/>
+          </a:fillRef>
+          <a:effectRef idx="0">
+            <a:schemeClr val="accent1"/>
+          </a:effectRef>
+          <a:fontRef idx="minor">
+            <a:schemeClr val="lt1"/>
+          </a:fontRef>
+        </p:style>
+        <p:txBody>
+          <a:bodyPr rtlCol="0" anchor="ctr"/>
+          <a:lstStyle/>
+          <a:p>
+            <a:pPr algn="ctr"/>
+            <a:endParaRPr lang="en-US"/>
+          </a:p>
+        </p:txBody>
+      </p:sp>
+      <p:pic>
+        <p:nvPicPr>
+          <p:cNvPr id="5" name="Content Placeholder 4" descr="A picture containing monitor, sitting, television, light&#10;&#10;Description automatically generated">
+            <a:extLst>
+              <a:ext uri="{FF2B5EF4-FFF2-40B4-BE49-F238E27FC236}">
+                <a16:creationId xmlns:a16="http://schemas.microsoft.com/office/drawing/2014/main" id="{A31E2C29-174E-5A45-A843-3EDA554247BA}"/>
+              </a:ext>
+            </a:extLst>
+          </p:cNvPr>
+          <p:cNvPicPr>
+            <a:picLocks noGrp="1" noChangeAspect="1"/>
+          </p:cNvPicPr>
+          <p:nvPr>
+            <p:ph idx="1"/>
+          </p:nvPr>
+        </p:nvPicPr>
+        <p:blipFill rotWithShape="1">
+          <a:blip r:embed="rId3"/>
+          <a:srcRect t="16738" r="9090" b="16733"/>
+          <a:stretch/>
+        </p:blipFill>
+        <p:spPr>
+          <a:xfrm>
+            <a:off x="7613285" y="0"/>
+            <a:ext cx="8668512" cy="6857990"/>
+          </a:xfrm>
+          <a:prstGeom prst="rect">
+            <a:avLst/>
+          </a:prstGeom>
+        </p:spPr>
+      </p:pic>
+      <p:sp>
+        <p:nvSpPr>
+          <p:cNvPr id="12" name="Rectangle 11">
+            <a:extLst>
+              <a:ext uri="{FF2B5EF4-FFF2-40B4-BE49-F238E27FC236}">
+                <a16:creationId xmlns:a16="http://schemas.microsoft.com/office/drawing/2014/main" id="{AB58EF07-17C2-48CF-ABB0-EEF1F17CB8F0}"/>
+              </a:ext>
+              <a:ext uri="{C183D7F6-B498-43B3-948B-1728B52AA6E4}">
+                <adec:decorative xmlns:adec="http://schemas.microsoft.com/office/drawing/2017/decorative" val="1"/>
+              </a:ext>
+            </a:extLst>
+          </p:cNvPr>
+          <p:cNvSpPr>
+            <a:spLocks noGrp="1" noRot="1" noChangeAspect="1" noMove="1" noResize="1" noEditPoints="1" noAdjustHandles="1" noChangeArrowheads="1" noChangeShapeType="1" noTextEdit="1"/>
+          </p:cNvSpPr>
+          <p:nvPr>
+            <p:extLst>
+              <p:ext uri="{386F3935-93C4-4BCD-93E2-E3B085C9AB24}">
+                <p16:designElem xmlns:p16="http://schemas.microsoft.com/office/powerpoint/2015/main" val="1"/>
+              </p:ext>
+            </p:extLst>
+          </p:nvPr>
+        </p:nvSpPr>
+        <p:spPr>
+          <a:xfrm>
+            <a:off x="3" y="0"/>
+            <a:ext cx="9339206" cy="6858000"/>
+          </a:xfrm>
+          <a:prstGeom prst="rect">
+            <a:avLst/>
+          </a:prstGeom>
+          <a:gradFill>
+            <a:gsLst>
+              <a:gs pos="58000">
+                <a:schemeClr val="bg1"/>
+              </a:gs>
+              <a:gs pos="33000">
+                <a:schemeClr val="bg1">
+                  <a:alpha val="64000"/>
+                </a:schemeClr>
+              </a:gs>
+              <a:gs pos="0">
+                <a:schemeClr val="bg1">
+                  <a:alpha val="0"/>
+                </a:schemeClr>
+              </a:gs>
+              <a:gs pos="100000">
+                <a:schemeClr val="bg1"/>
+              </a:gs>
+            </a:gsLst>
+            <a:lin ang="10800000" scaled="0"/>
+          </a:gradFill>
+          <a:ln>
+            <a:noFill/>
+          </a:ln>
+        </p:spPr>
+        <p:style>
+          <a:lnRef idx="2">
+            <a:schemeClr val="accent1">
+              <a:shade val="50000"/>
+            </a:schemeClr>
+          </a:lnRef>
+          <a:fillRef idx="1">
+            <a:schemeClr val="accent1"/>
+          </a:fillRef>
+          <a:effectRef idx="0">
+            <a:schemeClr val="accent1"/>
+          </a:effectRef>
+          <a:fontRef idx="minor">
+            <a:schemeClr val="lt1"/>
+          </a:fontRef>
+        </p:style>
+        <p:txBody>
+          <a:bodyPr rtlCol="0" anchor="ctr"/>
+          <a:lstStyle/>
+          <a:p>
+            <a:pPr algn="ctr"/>
+            <a:endParaRPr lang="en-US" dirty="0"/>
+          </a:p>
+        </p:txBody>
+      </p:sp>
+      <p:sp>
+        <p:nvSpPr>
+          <p:cNvPr id="2" name="Title 1">
+            <a:extLst>
+              <a:ext uri="{FF2B5EF4-FFF2-40B4-BE49-F238E27FC236}">
+                <a16:creationId xmlns:a16="http://schemas.microsoft.com/office/drawing/2014/main" id="{324F9EBF-DD1F-EC4D-AA18-E1C7A2E53346}"/>
+              </a:ext>
+            </a:extLst>
+          </p:cNvPr>
+          <p:cNvSpPr>
+            <a:spLocks noGrp="1"/>
+          </p:cNvSpPr>
+          <p:nvPr>
+            <p:ph type="title"/>
+          </p:nvPr>
+        </p:nvSpPr>
+        <p:spPr>
+          <a:xfrm>
+            <a:off x="8283941" y="5733604"/>
+            <a:ext cx="3749563" cy="615000"/>
+          </a:xfrm>
+        </p:spPr>
+        <p:txBody>
+          <a:bodyPr vert="horz" lIns="91440" tIns="45720" rIns="91440" bIns="45720" rtlCol="0" anchor="b">
+            <a:normAutofit/>
+          </a:bodyPr>
+          <a:lstStyle/>
+          <a:p>
+            <a:r>
+              <a:rPr lang="en-US" sz="3200">
+                <a:latin typeface="Courier New" panose="02070309020205020404" pitchFamily="49" charset="0"/>
+                <a:cs typeface="Courier New" panose="02070309020205020404" pitchFamily="49" charset="0"/>
+              </a:rPr>
+              <a:t>#The16BitsWord</a:t>
+            </a:r>
+            <a:endParaRPr lang="en-US" sz="3200" dirty="0">
+              <a:latin typeface="Courier New" panose="02070309020205020404" pitchFamily="49" charset="0"/>
+              <a:cs typeface="Courier New" panose="02070309020205020404" pitchFamily="49" charset="0"/>
+            </a:endParaRPr>
+          </a:p>
+        </p:txBody>
+      </p:sp>
+      <p:sp>
+        <p:nvSpPr>
+          <p:cNvPr id="14" name="Rectangle 13">
+            <a:extLst>
+              <a:ext uri="{FF2B5EF4-FFF2-40B4-BE49-F238E27FC236}">
+                <a16:creationId xmlns:a16="http://schemas.microsoft.com/office/drawing/2014/main" id="{AF2F604E-43BE-4DC3-B983-E071523364F8}"/>
+              </a:ext>
+              <a:ext uri="{C183D7F6-B498-43B3-948B-1728B52AA6E4}">
+                <adec:decorative xmlns:adec="http://schemas.microsoft.com/office/drawing/2017/decorative" val="1"/>
+              </a:ext>
+            </a:extLst>
+          </p:cNvPr>
+          <p:cNvSpPr>
+            <a:spLocks noGrp="1" noRot="1" noChangeAspect="1" noMove="1" noResize="1" noEditPoints="1" noAdjustHandles="1" noChangeArrowheads="1" noChangeShapeType="1" noTextEdit="1"/>
+          </p:cNvSpPr>
+          <p:nvPr>
+            <p:extLst>
+              <p:ext uri="{386F3935-93C4-4BCD-93E2-E3B085C9AB24}">
+                <p16:designElem xmlns:p16="http://schemas.microsoft.com/office/powerpoint/2015/main" val="1"/>
+              </p:ext>
+            </p:extLst>
+          </p:nvPr>
+        </p:nvSpPr>
+        <p:spPr>
+          <a:xfrm rot="5400000">
+            <a:off x="759921" y="346791"/>
+            <a:ext cx="146304" cy="704088"/>
+          </a:xfrm>
+          <a:prstGeom prst="rect">
+            <a:avLst/>
+          </a:prstGeom>
+          <a:solidFill>
+            <a:schemeClr val="accent2"/>
+          </a:solidFill>
+          <a:ln>
+            <a:noFill/>
+          </a:ln>
+        </p:spPr>
+        <p:style>
+          <a:lnRef idx="2">
+            <a:schemeClr val="accent1">
+              <a:shade val="50000"/>
+            </a:schemeClr>
+          </a:lnRef>
+          <a:fillRef idx="1">
+            <a:schemeClr val="accent1"/>
+          </a:fillRef>
+          <a:effectRef idx="0">
+            <a:schemeClr val="accent1"/>
+          </a:effectRef>
+          <a:fontRef idx="minor">
+            <a:schemeClr val="lt1"/>
+          </a:fontRef>
+        </p:style>
+        <p:txBody>
+          <a:bodyPr rtlCol="0" anchor="ctr"/>
+          <a:lstStyle/>
+          <a:p>
+            <a:pPr algn="ctr"/>
+            <a:endParaRPr lang="en-US">
+              <a:solidFill>
+                <a:prstClr val="white"/>
+              </a:solidFill>
+              <a:latin typeface="Calibri" panose="020F0502020204030204"/>
+            </a:endParaRPr>
+          </a:p>
+        </p:txBody>
+      </p:sp>
+      <p:sp>
+        <p:nvSpPr>
+          <p:cNvPr id="16" name="Rectangle 15">
+            <a:extLst>
+              <a:ext uri="{FF2B5EF4-FFF2-40B4-BE49-F238E27FC236}">
+                <a16:creationId xmlns:a16="http://schemas.microsoft.com/office/drawing/2014/main" id="{08C9B587-E65E-4B52-B37C-ABEBB6E87928}"/>
+              </a:ext>
+              <a:ext uri="{C183D7F6-B498-43B3-948B-1728B52AA6E4}">
+                <adec:decorative xmlns:adec="http://schemas.microsoft.com/office/drawing/2017/decorative" val="1"/>
+              </a:ext>
+            </a:extLst>
+          </p:cNvPr>
+          <p:cNvSpPr>
+            <a:spLocks noGrp="1" noRot="1" noChangeAspect="1" noMove="1" noResize="1" noEditPoints="1" noAdjustHandles="1" noChangeArrowheads="1" noChangeShapeType="1" noTextEdit="1"/>
+          </p:cNvSpPr>
+          <p:nvPr>
+            <p:extLst>
+              <p:ext uri="{386F3935-93C4-4BCD-93E2-E3B085C9AB24}">
+                <p16:designElem xmlns:p16="http://schemas.microsoft.com/office/powerpoint/2015/main" val="1"/>
+              </p:ext>
+            </p:extLst>
+          </p:nvPr>
+        </p:nvSpPr>
+        <p:spPr>
+          <a:xfrm>
+            <a:off x="481029" y="4546920"/>
+            <a:ext cx="3977640" cy="18288"/>
+          </a:xfrm>
+          <a:prstGeom prst="rect">
+            <a:avLst/>
+          </a:prstGeom>
+          <a:solidFill>
+            <a:schemeClr val="tx1"/>
+          </a:solidFill>
+          <a:ln w="3175">
+            <a:noFill/>
+          </a:ln>
+          <a:effectLst/>
+        </p:spPr>
+        <p:style>
+          <a:lnRef idx="2">
+            <a:schemeClr val="accent1">
+              <a:shade val="50000"/>
+            </a:schemeClr>
+          </a:lnRef>
+          <a:fillRef idx="1">
+            <a:schemeClr val="accent1"/>
+          </a:fillRef>
+          <a:effectRef idx="0">
+            <a:schemeClr val="accent1"/>
+          </a:effectRef>
+          <a:fontRef idx="minor">
+            <a:schemeClr val="lt1"/>
+          </a:fontRef>
+        </p:style>
+        <p:txBody>
+          <a:bodyPr rtlCol="0" anchor="ctr"/>
+          <a:lstStyle/>
+          <a:p>
+            <a:pPr marL="0" marR="0" lvl="0" indent="0" algn="ctr" defTabSz="914400" rtl="0" eaLnBrk="1" fontAlgn="auto" latinLnBrk="0" hangingPunct="1">
+              <a:lnSpc>
+                <a:spcPct val="100000"/>
+              </a:lnSpc>
+              <a:spcBef>
+                <a:spcPts val="0"/>
+              </a:spcBef>
+              <a:spcAft>
+                <a:spcPts val="0"/>
+              </a:spcAft>
+              <a:buClrTx/>
+              <a:buSzTx/>
+              <a:buFontTx/>
+              <a:buNone/>
+              <a:tabLst/>
+              <a:defRPr/>
+            </a:pPr>
+            <a:endParaRPr kumimoji="0" lang="en-US" sz="1800" b="0" i="0" u="none" strike="noStrike" kern="1200" cap="none" spc="0" normalizeH="0" baseline="0" noProof="0">
+              <a:ln>
+                <a:noFill/>
+              </a:ln>
+              <a:solidFill>
+                <a:prstClr val="white"/>
+              </a:solidFill>
+              <a:effectLst/>
+              <a:uLnTx/>
+              <a:uFillTx/>
+              <a:latin typeface="Calibri" panose="020F0502020204030204"/>
+              <a:ea typeface="+mn-ea"/>
+              <a:cs typeface="+mn-cs"/>
+            </a:endParaRPr>
+          </a:p>
+        </p:txBody>
+      </p:sp>
+      <p:sp>
+        <p:nvSpPr>
+          <p:cNvPr id="11" name="TextBox 10">
+            <a:extLst>
+              <a:ext uri="{FF2B5EF4-FFF2-40B4-BE49-F238E27FC236}">
+                <a16:creationId xmlns:a16="http://schemas.microsoft.com/office/drawing/2014/main" id="{98A86A60-4A26-934C-A035-3E4D91DFD913}"/>
+              </a:ext>
+            </a:extLst>
+          </p:cNvPr>
+          <p:cNvSpPr txBox="1"/>
+          <p:nvPr/>
+        </p:nvSpPr>
+        <p:spPr>
+          <a:xfrm>
+            <a:off x="7882503" y="6348604"/>
+            <a:ext cx="4051109" cy="307777"/>
+          </a:xfrm>
+          <a:prstGeom prst="rect">
+            <a:avLst/>
+          </a:prstGeom>
+          <a:noFill/>
+        </p:spPr>
+        <p:txBody>
+          <a:bodyPr wrap="none" rtlCol="0">
+            <a:spAutoFit/>
+          </a:bodyPr>
+          <a:lstStyle/>
+          <a:p>
+            <a:r>
+              <a:rPr lang="en-US" sz="1400" dirty="0">
+                <a:latin typeface="Courier New" panose="02070309020205020404" pitchFamily="49" charset="0"/>
+                <a:cs typeface="Courier New" panose="02070309020205020404" pitchFamily="49" charset="0"/>
+              </a:rPr>
+              <a:t>“little drops make the mighty ocean”</a:t>
+            </a:r>
+          </a:p>
+        </p:txBody>
+      </p:sp>
+      <p:sp>
+        <p:nvSpPr>
+          <p:cNvPr id="17" name="TextBox 16">
+            <a:extLst>
+              <a:ext uri="{FF2B5EF4-FFF2-40B4-BE49-F238E27FC236}">
+                <a16:creationId xmlns:a16="http://schemas.microsoft.com/office/drawing/2014/main" id="{F317878F-3DFC-204C-9B12-E00042747B82}"/>
+              </a:ext>
+            </a:extLst>
+          </p:cNvPr>
+          <p:cNvSpPr txBox="1"/>
+          <p:nvPr/>
+        </p:nvSpPr>
+        <p:spPr>
+          <a:xfrm>
+            <a:off x="182426" y="5961204"/>
+            <a:ext cx="3624710" cy="646331"/>
+          </a:xfrm>
+          <a:prstGeom prst="rect">
+            <a:avLst/>
+          </a:prstGeom>
+          <a:noFill/>
+        </p:spPr>
+        <p:txBody>
+          <a:bodyPr wrap="none" rtlCol="0">
+            <a:spAutoFit/>
+          </a:bodyPr>
+          <a:lstStyle/>
+          <a:p>
+            <a:r>
+              <a:rPr lang="en-US" sz="1200" dirty="0">
+                <a:solidFill>
+                  <a:schemeClr val="tx1">
+                    <a:lumMod val="65000"/>
+                  </a:schemeClr>
+                </a:solidFill>
+                <a:latin typeface="Courier New" panose="02070309020205020404" pitchFamily="49" charset="0"/>
+                <a:cs typeface="Courier New" panose="02070309020205020404" pitchFamily="49" charset="0"/>
+              </a:rPr>
+              <a:t>Mail    : sakthishanmugam02@gmail.com</a:t>
+            </a:r>
+            <a:br>
+              <a:rPr lang="en-US" sz="1200" dirty="0">
+                <a:solidFill>
+                  <a:schemeClr val="tx1">
+                    <a:lumMod val="65000"/>
+                  </a:schemeClr>
+                </a:solidFill>
+                <a:latin typeface="Courier New" panose="02070309020205020404" pitchFamily="49" charset="0"/>
+                <a:cs typeface="Courier New" panose="02070309020205020404" pitchFamily="49" charset="0"/>
+              </a:rPr>
+            </a:br>
+            <a:r>
+              <a:rPr lang="en-US" sz="1200" dirty="0">
+                <a:solidFill>
+                  <a:schemeClr val="tx1">
+                    <a:lumMod val="65000"/>
+                  </a:schemeClr>
+                </a:solidFill>
+                <a:latin typeface="Courier New" panose="02070309020205020404" pitchFamily="49" charset="0"/>
+                <a:cs typeface="Courier New" panose="02070309020205020404" pitchFamily="49" charset="0"/>
+              </a:rPr>
+              <a:t>Twitter : @sakthis02 </a:t>
+            </a:r>
+          </a:p>
+          <a:p>
+            <a:r>
+              <a:rPr lang="en-US" sz="1200" dirty="0">
+                <a:solidFill>
+                  <a:schemeClr val="tx1">
+                    <a:lumMod val="65000"/>
+                  </a:schemeClr>
+                </a:solidFill>
+                <a:latin typeface="Courier New" panose="02070309020205020404" pitchFamily="49" charset="0"/>
+                <a:cs typeface="Courier New" panose="02070309020205020404" pitchFamily="49" charset="0"/>
+              </a:rPr>
+              <a:t>Medium  : @sakthishanmugam02</a:t>
+            </a:r>
+          </a:p>
+        </p:txBody>
+      </p:sp>
+      <p:sp>
+        <p:nvSpPr>
+          <p:cNvPr id="30" name="Rectangle 29">
+            <a:extLst>
+              <a:ext uri="{FF2B5EF4-FFF2-40B4-BE49-F238E27FC236}">
+                <a16:creationId xmlns:a16="http://schemas.microsoft.com/office/drawing/2014/main" id="{AAD73A3C-A254-FD45-B9F6-24D764565636}"/>
+              </a:ext>
+            </a:extLst>
+          </p:cNvPr>
+          <p:cNvSpPr/>
+          <p:nvPr/>
+        </p:nvSpPr>
+        <p:spPr>
+          <a:xfrm>
+            <a:off x="420206" y="420624"/>
+            <a:ext cx="1152562" cy="603504"/>
+          </a:xfrm>
+          <a:prstGeom prst="rect">
+            <a:avLst/>
+          </a:prstGeom>
+        </p:spPr>
+        <p:style>
+          <a:lnRef idx="2">
+            <a:schemeClr val="dk1">
+              <a:shade val="50000"/>
+            </a:schemeClr>
+          </a:lnRef>
+          <a:fillRef idx="1">
+            <a:schemeClr val="dk1"/>
+          </a:fillRef>
+          <a:effectRef idx="0">
+            <a:schemeClr val="dk1"/>
+          </a:effectRef>
+          <a:fontRef idx="minor">
+            <a:schemeClr val="lt1"/>
+          </a:fontRef>
+        </p:style>
+        <p:txBody>
+          <a:bodyPr rtlCol="0" anchor="ctr"/>
+          <a:lstStyle/>
+          <a:p>
+            <a:pPr algn="ctr"/>
+            <a:endParaRPr lang="en-US"/>
+          </a:p>
+        </p:txBody>
+      </p:sp>
+      <p:sp>
+        <p:nvSpPr>
+          <p:cNvPr id="35" name="Rectangle 34">
+            <a:extLst>
+              <a:ext uri="{FF2B5EF4-FFF2-40B4-BE49-F238E27FC236}">
+                <a16:creationId xmlns:a16="http://schemas.microsoft.com/office/drawing/2014/main" id="{409790FB-2375-634B-AA25-BE69ABCCC1D1}"/>
+              </a:ext>
+            </a:extLst>
+          </p:cNvPr>
+          <p:cNvSpPr/>
+          <p:nvPr/>
+        </p:nvSpPr>
+        <p:spPr>
+          <a:xfrm>
+            <a:off x="274320" y="146304"/>
+            <a:ext cx="5212080" cy="5138928"/>
+          </a:xfrm>
+          <a:prstGeom prst="rect">
+            <a:avLst/>
+          </a:prstGeom>
+        </p:spPr>
+        <p:style>
+          <a:lnRef idx="2">
+            <a:schemeClr val="dk1">
+              <a:shade val="50000"/>
+            </a:schemeClr>
+          </a:lnRef>
+          <a:fillRef idx="1">
+            <a:schemeClr val="dk1"/>
+          </a:fillRef>
+          <a:effectRef idx="0">
+            <a:schemeClr val="dk1"/>
+          </a:effectRef>
+          <a:fontRef idx="minor">
+            <a:schemeClr val="lt1"/>
+          </a:fontRef>
+        </p:style>
+        <p:txBody>
+          <a:bodyPr rtlCol="0" anchor="ctr"/>
+          <a:lstStyle/>
+          <a:p>
+            <a:pPr algn="ctr"/>
+            <a:endParaRPr lang="en-US"/>
+          </a:p>
+        </p:txBody>
+      </p:sp>
+      <p:sp>
+        <p:nvSpPr>
+          <p:cNvPr id="49" name="Rectangle 48">
+            <a:extLst>
+              <a:ext uri="{FF2B5EF4-FFF2-40B4-BE49-F238E27FC236}">
+                <a16:creationId xmlns:a16="http://schemas.microsoft.com/office/drawing/2014/main" id="{74EABED3-901A-A04A-B25C-0F4B38FA84BA}"/>
+              </a:ext>
+            </a:extLst>
+          </p:cNvPr>
+          <p:cNvSpPr/>
+          <p:nvPr/>
+        </p:nvSpPr>
+        <p:spPr>
+          <a:xfrm>
+            <a:off x="182425" y="280294"/>
+            <a:ext cx="7430859" cy="5151242"/>
+          </a:xfrm>
+          <a:prstGeom prst="rect">
+            <a:avLst/>
+          </a:prstGeom>
+          <a:noFill/>
+          <a:ln>
+            <a:solidFill>
+              <a:schemeClr val="tx1"/>
+            </a:solidFill>
+            <a:prstDash val="dashDot"/>
+          </a:ln>
+        </p:spPr>
+        <p:style>
+          <a:lnRef idx="2">
+            <a:schemeClr val="accent2"/>
+          </a:lnRef>
+          <a:fillRef idx="1">
+            <a:schemeClr val="lt1"/>
+          </a:fillRef>
+          <a:effectRef idx="0">
+            <a:schemeClr val="accent2"/>
+          </a:effectRef>
+          <a:fontRef idx="minor">
+            <a:schemeClr val="dk1"/>
+          </a:fontRef>
+        </p:style>
+        <p:txBody>
+          <a:bodyPr rtlCol="0" anchor="ctr"/>
+          <a:lstStyle/>
+          <a:p>
+            <a:r>
+              <a:rPr lang="en-IN" sz="1400" b="1" dirty="0">
+                <a:solidFill>
+                  <a:schemeClr val="tx1"/>
+                </a:solidFill>
+                <a:latin typeface="Courier New" panose="02070309020205020404" pitchFamily="49" charset="0"/>
+                <a:cs typeface="Courier New" panose="02070309020205020404" pitchFamily="49" charset="0"/>
+              </a:rPr>
+              <a:t>A few facts on KVM ( Kernel-Based Virtual Machine ) :</a:t>
+            </a:r>
+          </a:p>
+          <a:p>
+            <a:r>
+              <a:rPr lang="en-IN" sz="1400" dirty="0">
+                <a:solidFill>
+                  <a:schemeClr val="tx1"/>
+                </a:solidFill>
+                <a:latin typeface="Courier New" panose="02070309020205020404" pitchFamily="49" charset="0"/>
+                <a:cs typeface="Courier New" panose="02070309020205020404" pitchFamily="49" charset="0"/>
+              </a:rPr>
+              <a:t>-----------------------------------------------------</a:t>
+            </a:r>
+          </a:p>
+          <a:p>
+            <a:endParaRPr lang="en-IN" sz="1400" dirty="0">
+              <a:solidFill>
+                <a:schemeClr val="tx1"/>
+              </a:solidFill>
+              <a:latin typeface="Courier New" panose="02070309020205020404" pitchFamily="49" charset="0"/>
+              <a:cs typeface="Courier New" panose="02070309020205020404" pitchFamily="49" charset="0"/>
+            </a:endParaRPr>
+          </a:p>
+          <a:p>
+            <a:r>
+              <a:rPr lang="en-IN" sz="1400" dirty="0">
+                <a:solidFill>
+                  <a:schemeClr val="tx1"/>
+                </a:solidFill>
+                <a:latin typeface="Courier New" panose="02070309020205020404" pitchFamily="49" charset="0"/>
+                <a:cs typeface="Courier New" panose="02070309020205020404" pitchFamily="49" charset="0"/>
+              </a:rPr>
+              <a:t>#1 KVM is providing hypervisor capabilities to Linux.</a:t>
+            </a:r>
+          </a:p>
+          <a:p>
+            <a:endParaRPr lang="en-IN" sz="1400" dirty="0">
+              <a:solidFill>
+                <a:schemeClr val="tx1"/>
+              </a:solidFill>
+              <a:latin typeface="Courier New" panose="02070309020205020404" pitchFamily="49" charset="0"/>
+              <a:cs typeface="Courier New" panose="02070309020205020404" pitchFamily="49" charset="0"/>
+            </a:endParaRPr>
+          </a:p>
+          <a:p>
+            <a:r>
+              <a:rPr lang="en-IN" sz="1400" dirty="0">
+                <a:solidFill>
+                  <a:schemeClr val="tx1"/>
+                </a:solidFill>
+                <a:latin typeface="Courier New" panose="02070309020205020404" pitchFamily="49" charset="0"/>
+                <a:cs typeface="Courier New" panose="02070309020205020404" pitchFamily="49" charset="0"/>
+              </a:rPr>
+              <a:t>#2 That means, hypervisor components like memory manager, scheduler, network stack, I/O stacks, security managers, the device drivers, and many are provided as part of Linux Kernels.</a:t>
+            </a:r>
+          </a:p>
+          <a:p>
+            <a:endParaRPr lang="en-IN" sz="1400" dirty="0">
+              <a:solidFill>
+                <a:schemeClr val="tx1"/>
+              </a:solidFill>
+              <a:latin typeface="Courier New" panose="02070309020205020404" pitchFamily="49" charset="0"/>
+              <a:cs typeface="Courier New" panose="02070309020205020404" pitchFamily="49" charset="0"/>
+            </a:endParaRPr>
+          </a:p>
+          <a:p>
+            <a:r>
+              <a:rPr lang="en-IN" sz="1400" dirty="0">
+                <a:solidFill>
+                  <a:schemeClr val="tx1"/>
+                </a:solidFill>
+                <a:latin typeface="Courier New" panose="02070309020205020404" pitchFamily="49" charset="0"/>
+                <a:cs typeface="Courier New" panose="02070309020205020404" pitchFamily="49" charset="0"/>
+              </a:rPr>
+              <a:t>#3 So that multiple isolated environments “guests” can be spin up/hosted from Linux server (host machine). [guests = Virtual Machines]</a:t>
+            </a:r>
+          </a:p>
+          <a:p>
+            <a:endParaRPr lang="en-IN" sz="1400" dirty="0">
+              <a:solidFill>
+                <a:schemeClr val="tx1"/>
+              </a:solidFill>
+              <a:latin typeface="Courier New" panose="02070309020205020404" pitchFamily="49" charset="0"/>
+              <a:cs typeface="Courier New" panose="02070309020205020404" pitchFamily="49" charset="0"/>
+            </a:endParaRPr>
+          </a:p>
+          <a:p>
+            <a:r>
+              <a:rPr lang="en-IN" sz="1400" dirty="0">
+                <a:solidFill>
+                  <a:schemeClr val="tx1"/>
+                </a:solidFill>
+                <a:latin typeface="Courier New" panose="02070309020205020404" pitchFamily="49" charset="0"/>
+                <a:cs typeface="Courier New" panose="02070309020205020404" pitchFamily="49" charset="0"/>
+              </a:rPr>
+              <a:t>#4 Virtual Machines (VMs) are like a regular Linux process that has dedicated resources.  </a:t>
+            </a:r>
+          </a:p>
+          <a:p>
+            <a:endParaRPr lang="en-IN" sz="1400" dirty="0">
+              <a:solidFill>
+                <a:schemeClr val="tx1"/>
+              </a:solidFill>
+              <a:latin typeface="Courier New" panose="02070309020205020404" pitchFamily="49" charset="0"/>
+              <a:cs typeface="Courier New" panose="02070309020205020404" pitchFamily="49" charset="0"/>
+            </a:endParaRPr>
+          </a:p>
+          <a:p>
+            <a:r>
+              <a:rPr lang="en-IN" sz="1400" dirty="0">
+                <a:solidFill>
+                  <a:schemeClr val="tx1"/>
+                </a:solidFill>
+                <a:latin typeface="Courier New" panose="02070309020205020404" pitchFamily="49" charset="0"/>
+                <a:cs typeface="Courier New" panose="02070309020205020404" pitchFamily="49" charset="0"/>
+              </a:rPr>
+              <a:t>#5 VMs also have dedicated virtual hardware such as network adapters (</a:t>
+            </a:r>
+            <a:r>
+              <a:rPr lang="en-IN" sz="1400" dirty="0" err="1">
+                <a:solidFill>
+                  <a:schemeClr val="tx1"/>
+                </a:solidFill>
+                <a:latin typeface="Courier New" panose="02070309020205020404" pitchFamily="49" charset="0"/>
+                <a:cs typeface="Courier New" panose="02070309020205020404" pitchFamily="49" charset="0"/>
+              </a:rPr>
+              <a:t>vNIC</a:t>
+            </a:r>
+            <a:r>
+              <a:rPr lang="en-IN" sz="1400" dirty="0">
+                <a:solidFill>
+                  <a:schemeClr val="tx1"/>
+                </a:solidFill>
+                <a:latin typeface="Courier New" panose="02070309020205020404" pitchFamily="49" charset="0"/>
+                <a:cs typeface="Courier New" panose="02070309020205020404" pitchFamily="49" charset="0"/>
+              </a:rPr>
+              <a:t>).</a:t>
+            </a:r>
+          </a:p>
+          <a:p>
+            <a:endParaRPr lang="en-IN" sz="1400" dirty="0">
+              <a:solidFill>
+                <a:schemeClr val="tx1"/>
+              </a:solidFill>
+              <a:latin typeface="Courier New" panose="02070309020205020404" pitchFamily="49" charset="0"/>
+              <a:cs typeface="Courier New" panose="02070309020205020404" pitchFamily="49" charset="0"/>
+            </a:endParaRPr>
+          </a:p>
+          <a:p>
+            <a:r>
+              <a:rPr lang="en-IN" sz="1400" b="1" dirty="0">
+                <a:solidFill>
+                  <a:schemeClr val="tx1"/>
+                </a:solidFill>
+                <a:latin typeface="Courier New" panose="02070309020205020404" pitchFamily="49" charset="0"/>
+                <a:cs typeface="Courier New" panose="02070309020205020404" pitchFamily="49" charset="0"/>
+              </a:rPr>
+              <a:t>Remembering this? - "KVM converts Linux into a type-1 (bare-metal) hypervisor".</a:t>
+            </a:r>
+          </a:p>
+        </p:txBody>
+      </p:sp>
+      <p:sp>
+        <p:nvSpPr>
+          <p:cNvPr id="36" name="TextBox 35">
+            <a:extLst>
+              <a:ext uri="{FF2B5EF4-FFF2-40B4-BE49-F238E27FC236}">
+                <a16:creationId xmlns:a16="http://schemas.microsoft.com/office/drawing/2014/main" id="{F506CEA3-E567-F144-BDDF-4FC5209AE348}"/>
+              </a:ext>
+            </a:extLst>
+          </p:cNvPr>
+          <p:cNvSpPr txBox="1"/>
+          <p:nvPr/>
+        </p:nvSpPr>
+        <p:spPr>
+          <a:xfrm>
+            <a:off x="6748272" y="5285232"/>
+            <a:ext cx="184731" cy="369332"/>
+          </a:xfrm>
+          <a:prstGeom prst="rect">
+            <a:avLst/>
+          </a:prstGeom>
+          <a:noFill/>
+        </p:spPr>
+        <p:txBody>
+          <a:bodyPr wrap="none" rtlCol="0">
+            <a:spAutoFit/>
+          </a:bodyPr>
+          <a:lstStyle/>
+          <a:p>
+            <a:endParaRPr lang="en-US" dirty="0"/>
+          </a:p>
+        </p:txBody>
+      </p:sp>
+      <p:pic>
+        <p:nvPicPr>
+          <p:cNvPr id="53" name="Picture 52">
+            <a:extLst>
+              <a:ext uri="{FF2B5EF4-FFF2-40B4-BE49-F238E27FC236}">
+                <a16:creationId xmlns:a16="http://schemas.microsoft.com/office/drawing/2014/main" id="{513A3B09-4039-B341-AECA-2C15A8762E8F}"/>
+              </a:ext>
+            </a:extLst>
+          </p:cNvPr>
+          <p:cNvPicPr>
+            <a:picLocks/>
+          </p:cNvPicPr>
+          <p:nvPr/>
+        </p:nvPicPr>
+        <p:blipFill>
+          <a:blip r:embed="rId4"/>
+          <a:stretch>
+            <a:fillRect/>
+          </a:stretch>
+        </p:blipFill>
+        <p:spPr>
+          <a:xfrm>
+            <a:off x="6780834" y="568788"/>
+            <a:ext cx="406400" cy="406400"/>
+          </a:xfrm>
+          <a:prstGeom prst="rect">
+            <a:avLst/>
+          </a:prstGeom>
+        </p:spPr>
+      </p:pic>
+      <p:sp>
+        <p:nvSpPr>
+          <p:cNvPr id="37" name="TextBox 36">
+            <a:extLst>
+              <a:ext uri="{FF2B5EF4-FFF2-40B4-BE49-F238E27FC236}">
+                <a16:creationId xmlns:a16="http://schemas.microsoft.com/office/drawing/2014/main" id="{4C45B883-9683-4544-A8C2-0393D131DB3E}"/>
+              </a:ext>
+            </a:extLst>
+          </p:cNvPr>
+          <p:cNvSpPr txBox="1"/>
+          <p:nvPr/>
+        </p:nvSpPr>
+        <p:spPr>
+          <a:xfrm>
+            <a:off x="9776958" y="44831"/>
+            <a:ext cx="933782" cy="276999"/>
+          </a:xfrm>
+          <a:prstGeom prst="rect">
+            <a:avLst/>
+          </a:prstGeom>
+          <a:noFill/>
+        </p:spPr>
+        <p:txBody>
+          <a:bodyPr wrap="none" rtlCol="0">
+            <a:spAutoFit/>
+          </a:bodyPr>
+          <a:lstStyle/>
+          <a:p>
+            <a:r>
+              <a:rPr lang="en-US" sz="1200" dirty="0">
+                <a:solidFill>
+                  <a:schemeClr val="tx1">
+                    <a:alpha val="50000"/>
+                  </a:schemeClr>
+                </a:solidFill>
+              </a:rPr>
+              <a:t>techgoals.in</a:t>
+            </a:r>
+          </a:p>
+        </p:txBody>
+      </p:sp>
+    </p:spTree>
+    <p:extLst>
+      <p:ext uri="{BB962C8B-B14F-4D97-AF65-F5344CB8AC3E}">
+        <p14:creationId xmlns:p14="http://schemas.microsoft.com/office/powerpoint/2010/main" val="3500752043"/>
+      </p:ext>
+    </p:extLst>
+  </p:cSld>
+  <p:clrMapOvr>
+    <a:overrideClrMapping bg1="dk1" tx1="lt1" bg2="dk2" tx2="lt2" accent1="accent1" accent2="accent2" accent3="accent3" accent4="accent4" accent5="accent5" accent6="accent6" hlink="hlink" folHlink="folHlink"/>
+  </p:clrMapOvr>
+</p:sld>
+</file>
+
+<file path=ppt/slides/slide9.xml><?xml version="1.0" encoding="utf-8"?>
 <p:sld xmlns:a="http://schemas.openxmlformats.org/drawingml/2006/main" xmlns:r="http://schemas.openxmlformats.org/officeDocument/2006/relationships" xmlns:p="http://schemas.openxmlformats.org/presentationml/2006/main">
   <p:cSld>
     <p:spTree>
